--- a/NAME SLIDE.pptx
+++ b/NAME SLIDE.pptx
@@ -17,6 +17,7 @@
     <p:sldId id="280" r:id="rId11"/>
     <p:sldId id="281" r:id="rId12"/>
     <p:sldId id="282" r:id="rId13"/>
+    <p:sldId id="283" r:id="rId14"/>
   </p:sldIdLst>
   <p:sldSz cx="12192000" cy="6858000"/>
   <p:notesSz cx="6858000" cy="9144000"/>
@@ -270,7 +271,7 @@
           <a:p>
             <a:fld id="{61D74C62-8D34-4207-B9D4-EDDB8E3116DD}" type="datetimeFigureOut">
               <a:rPr lang="en-US" smtClean="0"/>
-              <a:t>6/4/2020</a:t>
+              <a:t>6/18/2020</a:t>
             </a:fld>
             <a:endParaRPr lang="en-US"/>
           </a:p>
@@ -468,7 +469,7 @@
           <a:p>
             <a:fld id="{61D74C62-8D34-4207-B9D4-EDDB8E3116DD}" type="datetimeFigureOut">
               <a:rPr lang="en-US" smtClean="0"/>
-              <a:t>6/4/2020</a:t>
+              <a:t>6/18/2020</a:t>
             </a:fld>
             <a:endParaRPr lang="en-US"/>
           </a:p>
@@ -676,7 +677,7 @@
           <a:p>
             <a:fld id="{61D74C62-8D34-4207-B9D4-EDDB8E3116DD}" type="datetimeFigureOut">
               <a:rPr lang="en-US" smtClean="0"/>
-              <a:t>6/4/2020</a:t>
+              <a:t>6/18/2020</a:t>
             </a:fld>
             <a:endParaRPr lang="en-US"/>
           </a:p>
@@ -2425,7 +2426,7 @@
           <a:p>
             <a:fld id="{61D74C62-8D34-4207-B9D4-EDDB8E3116DD}" type="datetimeFigureOut">
               <a:rPr lang="en-US" smtClean="0"/>
-              <a:t>6/4/2020</a:t>
+              <a:t>6/18/2020</a:t>
             </a:fld>
             <a:endParaRPr lang="en-US"/>
           </a:p>
@@ -2700,7 +2701,7 @@
           <a:p>
             <a:fld id="{61D74C62-8D34-4207-B9D4-EDDB8E3116DD}" type="datetimeFigureOut">
               <a:rPr lang="en-US" smtClean="0"/>
-              <a:t>6/4/2020</a:t>
+              <a:t>6/18/2020</a:t>
             </a:fld>
             <a:endParaRPr lang="en-US"/>
           </a:p>
@@ -2965,7 +2966,7 @@
           <a:p>
             <a:fld id="{61D74C62-8D34-4207-B9D4-EDDB8E3116DD}" type="datetimeFigureOut">
               <a:rPr lang="en-US" smtClean="0"/>
-              <a:t>6/4/2020</a:t>
+              <a:t>6/18/2020</a:t>
             </a:fld>
             <a:endParaRPr lang="en-US"/>
           </a:p>
@@ -3377,7 +3378,7 @@
           <a:p>
             <a:fld id="{61D74C62-8D34-4207-B9D4-EDDB8E3116DD}" type="datetimeFigureOut">
               <a:rPr lang="en-US" smtClean="0"/>
-              <a:t>6/4/2020</a:t>
+              <a:t>6/18/2020</a:t>
             </a:fld>
             <a:endParaRPr lang="en-US"/>
           </a:p>
@@ -3518,7 +3519,7 @@
           <a:p>
             <a:fld id="{61D74C62-8D34-4207-B9D4-EDDB8E3116DD}" type="datetimeFigureOut">
               <a:rPr lang="en-US" smtClean="0"/>
-              <a:t>6/4/2020</a:t>
+              <a:t>6/18/2020</a:t>
             </a:fld>
             <a:endParaRPr lang="en-US"/>
           </a:p>
@@ -3631,7 +3632,7 @@
           <a:p>
             <a:fld id="{61D74C62-8D34-4207-B9D4-EDDB8E3116DD}" type="datetimeFigureOut">
               <a:rPr lang="en-US" smtClean="0"/>
-              <a:t>6/4/2020</a:t>
+              <a:t>6/18/2020</a:t>
             </a:fld>
             <a:endParaRPr lang="en-US"/>
           </a:p>
@@ -3942,7 +3943,7 @@
           <a:p>
             <a:fld id="{61D74C62-8D34-4207-B9D4-EDDB8E3116DD}" type="datetimeFigureOut">
               <a:rPr lang="en-US" smtClean="0"/>
-              <a:t>6/4/2020</a:t>
+              <a:t>6/18/2020</a:t>
             </a:fld>
             <a:endParaRPr lang="en-US"/>
           </a:p>
@@ -4230,7 +4231,7 @@
           <a:p>
             <a:fld id="{61D74C62-8D34-4207-B9D4-EDDB8E3116DD}" type="datetimeFigureOut">
               <a:rPr lang="en-US" smtClean="0"/>
-              <a:t>6/4/2020</a:t>
+              <a:t>6/18/2020</a:t>
             </a:fld>
             <a:endParaRPr lang="en-US"/>
           </a:p>
@@ -4471,7 +4472,7 @@
           <a:p>
             <a:fld id="{61D74C62-8D34-4207-B9D4-EDDB8E3116DD}" type="datetimeFigureOut">
               <a:rPr lang="en-US" smtClean="0"/>
-              <a:t>6/4/2020</a:t>
+              <a:t>6/18/2020</a:t>
             </a:fld>
             <a:endParaRPr lang="en-US"/>
           </a:p>
@@ -6310,7 +6311,7 @@
         <p:spPr>
           <a:xfrm>
             <a:off x="1793289" y="262424"/>
-            <a:ext cx="7004482" cy="584775"/>
+            <a:ext cx="7004482" cy="1077218"/>
           </a:xfrm>
           <a:prstGeom prst="rect">
             <a:avLst/>
@@ -6329,7 +6330,63 @@
                 <a:latin typeface="Times New Roman" panose="02020603050405020304" pitchFamily="18" charset="0"/>
                 <a:cs typeface="Times New Roman" panose="02020603050405020304" pitchFamily="18" charset="0"/>
               </a:rPr>
-              <a:t>            BLOCK DAIGRAM </a:t>
+              <a:t>            </a:t>
+            </a:r>
+            <a:r>
+              <a:rPr lang="en-US" sz="3200" b="1">
+                <a:latin typeface="Times New Roman" panose="02020603050405020304" pitchFamily="18" charset="0"/>
+                <a:cs typeface="Times New Roman" panose="02020603050405020304" pitchFamily="18" charset="0"/>
+              </a:rPr>
+              <a:t>BLOCK  DIAGRAM</a:t>
+            </a:r>
+            <a:endParaRPr lang="en-US" sz="3200" b="1" dirty="0">
+              <a:latin typeface="Times New Roman" panose="02020603050405020304" pitchFamily="18" charset="0"/>
+              <a:cs typeface="Times New Roman" panose="02020603050405020304" pitchFamily="18" charset="0"/>
+            </a:endParaRPr>
+          </a:p>
+          <a:p>
+            <a:pPr algn="ctr"/>
+            <a:r>
+              <a:rPr lang="en-US" sz="3200" b="1" dirty="0">
+                <a:latin typeface="Times New Roman" panose="02020603050405020304" pitchFamily="18" charset="0"/>
+                <a:cs typeface="Times New Roman" panose="02020603050405020304" pitchFamily="18" charset="0"/>
+              </a:rPr>
+              <a:t> </a:t>
+            </a:r>
+          </a:p>
+        </p:txBody>
+      </p:sp>
+      <p:sp>
+        <p:nvSpPr>
+          <p:cNvPr id="3" name="TextBox 2">
+            <a:extLst>
+              <a:ext uri="{FF2B5EF4-FFF2-40B4-BE49-F238E27FC236}">
+                <a16:creationId xmlns:a16="http://schemas.microsoft.com/office/drawing/2014/main" id="{17CCFECB-2943-4235-BAE8-67FEA5A41115}"/>
+              </a:ext>
+            </a:extLst>
+          </p:cNvPr>
+          <p:cNvSpPr txBox="1"/>
+          <p:nvPr/>
+        </p:nvSpPr>
+        <p:spPr>
+          <a:xfrm>
+            <a:off x="4519782" y="5930903"/>
+            <a:ext cx="1235479" cy="369332"/>
+          </a:xfrm>
+          <a:prstGeom prst="rect">
+            <a:avLst/>
+          </a:prstGeom>
+          <a:noFill/>
+        </p:spPr>
+        <p:txBody>
+          <a:bodyPr wrap="square" rtlCol="0">
+            <a:spAutoFit/>
+          </a:bodyPr>
+          <a:lstStyle/>
+          <a:p>
+            <a:r>
+              <a:rPr lang="en-US" dirty="0"/>
+              <a:t>LDR</a:t>
             </a:r>
           </a:p>
         </p:txBody>
@@ -8005,6 +8062,36 @@
     <p:extLst>
       <p:ext uri="{BB962C8B-B14F-4D97-AF65-F5344CB8AC3E}">
         <p14:creationId xmlns:p14="http://schemas.microsoft.com/office/powerpoint/2010/main" val="3143347598"/>
+      </p:ext>
+    </p:extLst>
+  </p:cSld>
+  <p:clrMapOvr>
+    <a:masterClrMapping/>
+  </p:clrMapOvr>
+</p:sld>
+</file>
+
+<file path=ppt/slides/slide13.xml><?xml version="1.0" encoding="utf-8"?>
+<p:sld xmlns:a="http://schemas.openxmlformats.org/drawingml/2006/main" xmlns:r="http://schemas.openxmlformats.org/officeDocument/2006/relationships" xmlns:p="http://schemas.openxmlformats.org/presentationml/2006/main">
+  <p:cSld>
+    <p:spTree>
+      <p:nvGrpSpPr>
+        <p:cNvPr id="1" name=""/>
+        <p:cNvGrpSpPr/>
+        <p:nvPr/>
+      </p:nvGrpSpPr>
+      <p:grpSpPr>
+        <a:xfrm>
+          <a:off x="0" y="0"/>
+          <a:ext cx="0" cy="0"/>
+          <a:chOff x="0" y="0"/>
+          <a:chExt cx="0" cy="0"/>
+        </a:xfrm>
+      </p:grpSpPr>
+    </p:spTree>
+    <p:extLst>
+      <p:ext uri="{BB962C8B-B14F-4D97-AF65-F5344CB8AC3E}">
+        <p14:creationId xmlns:p14="http://schemas.microsoft.com/office/powerpoint/2010/main" val="1699648445"/>
       </p:ext>
     </p:extLst>
   </p:cSld>
